--- a/vue/成稿20180523.pptx
+++ b/vue/成稿20180523.pptx
@@ -47,6 +47,8 @@
     <p:sldId id="788" r:id="rId40"/>
     <p:sldId id="789" r:id="rId41"/>
     <p:sldId id="790" r:id="rId42"/>
+    <p:sldId id="791" r:id="rId43"/>
+    <p:sldId id="792" r:id="rId44"/>
   </p:sldIdLst>
   <p:sldSz cx="12192000" cy="6858000"/>
   <p:notesSz cx="7103745" cy="10234295"/>
@@ -20339,7 +20341,7 @@
         <p:spPr>
           <a:xfrm>
             <a:off x="27940" y="2269490"/>
-            <a:ext cx="12136755" cy="2861310"/>
+            <a:ext cx="12136755" cy="3415030"/>
           </a:xfrm>
           <a:prstGeom prst="rect">
             <a:avLst/>
@@ -20489,6 +20491,38 @@
               <a:t>、v-for with a Range</a:t>
             </a:r>
             <a:endParaRPr lang="zh-CN" altLang="zh-CN" sz="3600">
+              <a:solidFill>
+                <a:schemeClr val="bg1"/>
+              </a:solidFill>
+            </a:endParaRPr>
+          </a:p>
+          <a:p>
+            <a:pPr algn="l"/>
+            <a:r>
+              <a:rPr lang="en-US" altLang="zh-CN" sz="3600">
+                <a:solidFill>
+                  <a:schemeClr val="bg1"/>
+                </a:solidFill>
+              </a:rPr>
+              <a:t>6</a:t>
+            </a:r>
+            <a:r>
+              <a:rPr lang="zh-CN" altLang="zh-CN" sz="3600">
+                <a:solidFill>
+                  <a:schemeClr val="bg1"/>
+                </a:solidFill>
+              </a:rPr>
+              <a:t>、</a:t>
+            </a:r>
+            <a:r>
+              <a:rPr lang="en-US" altLang="zh-CN" sz="3600">
+                <a:solidFill>
+                  <a:schemeClr val="bg1"/>
+                </a:solidFill>
+              </a:rPr>
+              <a:t>v-for with v-if</a:t>
+            </a:r>
+            <a:endParaRPr lang="en-US" altLang="zh-CN" sz="3600">
               <a:solidFill>
                 <a:schemeClr val="bg1"/>
               </a:solidFill>
@@ -22228,6 +22262,185 @@
 </p:sld>
 </file>
 
+<file path=ppt/slides/slide39.xml><?xml version="1.0" encoding="utf-8"?>
+<p:sld xmlns:a="http://schemas.openxmlformats.org/drawingml/2006/main" xmlns:r="http://schemas.openxmlformats.org/officeDocument/2006/relationships" xmlns:p="http://schemas.openxmlformats.org/presentationml/2006/main">
+  <p:cSld>
+    <p:spTree>
+      <p:nvGrpSpPr>
+        <p:cNvPr id="1" name=""/>
+        <p:cNvGrpSpPr/>
+        <p:nvPr/>
+      </p:nvGrpSpPr>
+      <p:grpSpPr>
+        <a:xfrm>
+          <a:off x="0" y="0"/>
+          <a:ext cx="0" cy="0"/>
+          <a:chOff x="0" y="0"/>
+          <a:chExt cx="0" cy="0"/>
+        </a:xfrm>
+      </p:grpSpPr>
+      <p:sp>
+        <p:nvSpPr>
+          <p:cNvPr id="2" name="标题 1"/>
+          <p:cNvSpPr/>
+          <p:nvPr>
+            <p:ph type="ctrTitle"/>
+          </p:nvPr>
+        </p:nvSpPr>
+        <p:spPr>
+          <a:xfrm>
+            <a:off x="9185910" y="60960"/>
+            <a:ext cx="3004820" cy="708025"/>
+          </a:xfrm>
+        </p:spPr>
+        <p:txBody>
+          <a:bodyPr/>
+          <a:p>
+            <a:r>
+              <a:rPr lang="zh-CN" altLang="en-US" sz="2400"/>
+              <a:t>列表渲染</a:t>
+            </a:r>
+            <a:br>
+              <a:rPr lang="zh-CN" altLang="en-US" sz="2400"/>
+            </a:br>
+            <a:r>
+              <a:rPr lang="en-US" altLang="zh-CN" sz="2400"/>
+              <a:t>List Rendering</a:t>
+            </a:r>
+            <a:endParaRPr lang="en-US" altLang="zh-CN" sz="2400"/>
+          </a:p>
+        </p:txBody>
+      </p:sp>
+      <p:sp>
+        <p:nvSpPr>
+          <p:cNvPr id="4" name="文本框 3"/>
+          <p:cNvSpPr txBox="1"/>
+          <p:nvPr/>
+        </p:nvSpPr>
+        <p:spPr>
+          <a:xfrm>
+            <a:off x="1869440" y="768985"/>
+            <a:ext cx="8766810" cy="645160"/>
+          </a:xfrm>
+          <a:prstGeom prst="rect">
+            <a:avLst/>
+          </a:prstGeom>
+          <a:noFill/>
+        </p:spPr>
+        <p:txBody>
+          <a:bodyPr wrap="square" rtlCol="0">
+            <a:spAutoFit/>
+          </a:bodyPr>
+          <a:p>
+            <a:pPr algn="ctr"/>
+            <a:r>
+              <a:rPr lang="en-US" altLang="zh-CN" sz="3600">
+                <a:solidFill>
+                  <a:schemeClr val="bg1"/>
+                </a:solidFill>
+              </a:rPr>
+              <a:t>v-for with v-if</a:t>
+            </a:r>
+            <a:endParaRPr lang="en-US" altLang="zh-CN" sz="3600">
+              <a:solidFill>
+                <a:schemeClr val="bg1"/>
+              </a:solidFill>
+            </a:endParaRPr>
+          </a:p>
+        </p:txBody>
+      </p:sp>
+      <p:sp>
+        <p:nvSpPr>
+          <p:cNvPr id="3" name="文本框 2"/>
+          <p:cNvSpPr txBox="1"/>
+          <p:nvPr/>
+        </p:nvSpPr>
+        <p:spPr>
+          <a:xfrm>
+            <a:off x="592455" y="1710690"/>
+            <a:ext cx="10861040" cy="460375"/>
+          </a:xfrm>
+          <a:prstGeom prst="rect">
+            <a:avLst/>
+          </a:prstGeom>
+          <a:noFill/>
+        </p:spPr>
+        <p:txBody>
+          <a:bodyPr wrap="square" rtlCol="0">
+            <a:spAutoFit/>
+          </a:bodyPr>
+          <a:p>
+            <a:pPr algn="l"/>
+            <a:r>
+              <a:rPr lang="en-US" altLang="zh-CN" sz="2400">
+                <a:solidFill>
+                  <a:schemeClr val="bg1"/>
+                </a:solidFill>
+              </a:rPr>
+              <a:t>When they exist on the same node, v-for has a higher priority than v-if.</a:t>
+            </a:r>
+            <a:endParaRPr lang="en-US" altLang="zh-CN" sz="2400">
+              <a:solidFill>
+                <a:schemeClr val="bg1"/>
+              </a:solidFill>
+            </a:endParaRPr>
+          </a:p>
+        </p:txBody>
+      </p:sp>
+      <p:sp>
+        <p:nvSpPr>
+          <p:cNvPr id="5" name="文本框 4"/>
+          <p:cNvSpPr txBox="1"/>
+          <p:nvPr/>
+        </p:nvSpPr>
+        <p:spPr>
+          <a:xfrm>
+            <a:off x="592455" y="2708910"/>
+            <a:ext cx="10747375" cy="1568450"/>
+          </a:xfrm>
+          <a:prstGeom prst="rect">
+            <a:avLst/>
+          </a:prstGeom>
+          <a:noFill/>
+        </p:spPr>
+        <p:txBody>
+          <a:bodyPr wrap="square" rtlCol="0">
+            <a:spAutoFit/>
+          </a:bodyPr>
+          <a:p>
+            <a:r>
+              <a:rPr lang="zh-CN" altLang="en-US" sz="3200"/>
+              <a:t>&lt;li v-for="todo in todos" v-if="!todo.isComplete"&gt;</a:t>
+            </a:r>
+            <a:endParaRPr lang="zh-CN" altLang="en-US" sz="3200"/>
+          </a:p>
+          <a:p>
+            <a:r>
+              <a:rPr lang="zh-CN" altLang="en-US" sz="3200"/>
+              <a:t>  {{ todo }}</a:t>
+            </a:r>
+            <a:endParaRPr lang="zh-CN" altLang="en-US" sz="3200"/>
+          </a:p>
+          <a:p>
+            <a:r>
+              <a:rPr lang="zh-CN" altLang="en-US" sz="3200"/>
+              <a:t>&lt;/li&gt;</a:t>
+            </a:r>
+            <a:endParaRPr lang="zh-CN" altLang="en-US" sz="3200"/>
+          </a:p>
+        </p:txBody>
+      </p:sp>
+    </p:spTree>
+    <p:custDataLst>
+      <p:tags r:id="rId1"/>
+    </p:custDataLst>
+  </p:cSld>
+  <p:clrMapOvr>
+    <a:masterClrMapping/>
+  </p:clrMapOvr>
+</p:sld>
+</file>
+
 <file path=ppt/slides/slide4.xml><?xml version="1.0" encoding="utf-8"?>
 <p:sld xmlns:a="http://schemas.openxmlformats.org/drawingml/2006/main" xmlns:r="http://schemas.openxmlformats.org/officeDocument/2006/relationships" xmlns:p="http://schemas.openxmlformats.org/presentationml/2006/main">
   <p:cSld>
@@ -22362,6 +22575,140 @@
               <a:t>是指尽量去做到不遗漏任务技术点，每一个技术点要讲到</a:t>
             </a:r>
             <a:endParaRPr lang="zh-CN" altLang="en-US"/>
+          </a:p>
+        </p:txBody>
+      </p:sp>
+    </p:spTree>
+    <p:custDataLst>
+      <p:tags r:id="rId1"/>
+    </p:custDataLst>
+  </p:cSld>
+  <p:clrMapOvr>
+    <a:masterClrMapping/>
+  </p:clrMapOvr>
+</p:sld>
+</file>
+
+<file path=ppt/slides/slide40.xml><?xml version="1.0" encoding="utf-8"?>
+<p:sld xmlns:a="http://schemas.openxmlformats.org/drawingml/2006/main" xmlns:r="http://schemas.openxmlformats.org/officeDocument/2006/relationships" xmlns:p="http://schemas.openxmlformats.org/presentationml/2006/main">
+  <p:cSld>
+    <p:spTree>
+      <p:nvGrpSpPr>
+        <p:cNvPr id="1" name=""/>
+        <p:cNvGrpSpPr/>
+        <p:nvPr/>
+      </p:nvGrpSpPr>
+      <p:grpSpPr>
+        <a:xfrm>
+          <a:off x="0" y="0"/>
+          <a:ext cx="0" cy="0"/>
+          <a:chOff x="0" y="0"/>
+          <a:chExt cx="0" cy="0"/>
+        </a:xfrm>
+      </p:grpSpPr>
+      <p:sp>
+        <p:nvSpPr>
+          <p:cNvPr id="3" name="文本框 2"/>
+          <p:cNvSpPr txBox="1"/>
+          <p:nvPr/>
+        </p:nvSpPr>
+        <p:spPr>
+          <a:xfrm>
+            <a:off x="592455" y="1710690"/>
+            <a:ext cx="10861040" cy="1568450"/>
+          </a:xfrm>
+          <a:prstGeom prst="rect">
+            <a:avLst/>
+          </a:prstGeom>
+          <a:noFill/>
+        </p:spPr>
+        <p:txBody>
+          <a:bodyPr wrap="square" rtlCol="0">
+            <a:spAutoFit/>
+          </a:bodyPr>
+          <a:p>
+            <a:pPr algn="l"/>
+            <a:r>
+              <a:rPr lang="en-US" altLang="zh-CN" sz="2400">
+                <a:solidFill>
+                  <a:schemeClr val="bg1"/>
+                </a:solidFill>
+              </a:rPr>
+              <a:t>Listening to Events &amp; Method Event Handlers</a:t>
+            </a:r>
+            <a:endParaRPr lang="en-US" altLang="zh-CN" sz="2400">
+              <a:solidFill>
+                <a:schemeClr val="bg1"/>
+              </a:solidFill>
+            </a:endParaRPr>
+          </a:p>
+          <a:p>
+            <a:pPr algn="l"/>
+            <a:r>
+              <a:rPr lang="en-US" altLang="zh-CN" sz="2400">
+                <a:solidFill>
+                  <a:schemeClr val="bg1"/>
+                </a:solidFill>
+              </a:rPr>
+              <a:t>Event Modifiers</a:t>
+            </a:r>
+            <a:endParaRPr lang="en-US" altLang="zh-CN" sz="2400">
+              <a:solidFill>
+                <a:schemeClr val="bg1"/>
+              </a:solidFill>
+            </a:endParaRPr>
+          </a:p>
+          <a:p>
+            <a:pPr algn="l"/>
+            <a:r>
+              <a:rPr lang="en-US" altLang="zh-CN" sz="2400">
+                <a:solidFill>
+                  <a:schemeClr val="bg1"/>
+                </a:solidFill>
+              </a:rPr>
+              <a:t>Key Modifiers</a:t>
+            </a:r>
+            <a:endParaRPr lang="en-US" altLang="zh-CN" sz="2400">
+              <a:solidFill>
+                <a:schemeClr val="bg1"/>
+              </a:solidFill>
+            </a:endParaRPr>
+          </a:p>
+          <a:p>
+            <a:pPr algn="l"/>
+            <a:r>
+              <a:rPr lang="en-US" altLang="zh-CN" sz="2400">
+                <a:solidFill>
+                  <a:schemeClr val="bg1"/>
+                </a:solidFill>
+              </a:rPr>
+              <a:t>System Modifier Keys</a:t>
+            </a:r>
+            <a:endParaRPr lang="en-US" altLang="zh-CN" sz="2400">
+              <a:solidFill>
+                <a:schemeClr val="bg1"/>
+              </a:solidFill>
+            </a:endParaRPr>
+          </a:p>
+        </p:txBody>
+      </p:sp>
+      <p:sp>
+        <p:nvSpPr>
+          <p:cNvPr id="6" name="标题 5"/>
+          <p:cNvSpPr/>
+          <p:nvPr>
+            <p:ph type="ctrTitle"/>
+          </p:nvPr>
+        </p:nvSpPr>
+        <p:spPr/>
+        <p:txBody>
+          <a:bodyPr/>
+          <a:p>
+            <a:r>
+              <a:rPr lang="en-US" altLang="zh-CN"/>
+              <a:t>Event Handling</a:t>
+            </a:r>
+            <a:endParaRPr lang="en-US" altLang="zh-CN"/>
           </a:p>
         </p:txBody>
       </p:sp>
@@ -24245,6 +24592,32 @@
 </file>
 
 <file path=ppt/tags/tag41.xml><?xml version="1.0" encoding="utf-8"?>
+<p:tagLst xmlns:p="http://schemas.openxmlformats.org/presentationml/2006/main">
+  <p:tag name="KSO_WM_TEMPLATE_CATEGORY" val="basetag"/>
+  <p:tag name="KSO_WM_TEMPLATE_INDEX" val="20161347"/>
+  <p:tag name="KSO_WM_TAG_VERSION" val="1.0"/>
+  <p:tag name="KSO_WM_SLIDE_ID" val="basetag20161347_6"/>
+  <p:tag name="KSO_WM_SLIDE_INDEX" val="6"/>
+  <p:tag name="KSO_WM_SLIDE_ITEM_CNT" val="0"/>
+  <p:tag name="KSO_WM_SLIDE_TYPE" val="contents"/>
+  <p:tag name="KSO_WM_BEAUTIFY_FLAG" val="#wm#"/>
+</p:tagLst>
+</file>
+
+<file path=ppt/tags/tag42.xml><?xml version="1.0" encoding="utf-8"?>
+<p:tagLst xmlns:p="http://schemas.openxmlformats.org/presentationml/2006/main">
+  <p:tag name="KSO_WM_TEMPLATE_CATEGORY" val="basetag"/>
+  <p:tag name="KSO_WM_TEMPLATE_INDEX" val="20161347"/>
+  <p:tag name="KSO_WM_TAG_VERSION" val="1.0"/>
+  <p:tag name="KSO_WM_SLIDE_ID" val="basetag20161347_6"/>
+  <p:tag name="KSO_WM_SLIDE_INDEX" val="6"/>
+  <p:tag name="KSO_WM_SLIDE_ITEM_CNT" val="0"/>
+  <p:tag name="KSO_WM_SLIDE_TYPE" val="contents"/>
+  <p:tag name="KSO_WM_BEAUTIFY_FLAG" val="#wm#"/>
+</p:tagLst>
+</file>
+
+<file path=ppt/tags/tag43.xml><?xml version="1.0" encoding="utf-8"?>
 <p:tagLst xmlns:p="http://schemas.openxmlformats.org/presentationml/2006/main">
   <p:tag name="KSO_WM_TEMPLATE_CATEGORY" val="basetag"/>
   <p:tag name="KSO_WM_TEMPLATE_INDEX" val="20161347"/>
